--- a/ui screen design/희진화면/UI Screen Design_고희진.pptx
+++ b/ui screen design/희진화면/UI Screen Design_고희진.pptx
@@ -3924,10 +3924,10 @@
       </p:grpSpPr>
       <p:pic>
         <p:nvPicPr>
-          <p:cNvPr id="4" name="그림 3">
-            <a:extLst>
-              <a:ext uri="{FF2B5EF4-FFF2-40B4-BE49-F238E27FC236}">
-                <a16:creationId xmlns:a16="http://schemas.microsoft.com/office/drawing/2014/main" id="{2476581E-990D-45F7-AE44-E86AB82B2EFE}"/>
+          <p:cNvPr id="3" name="그림 2">
+            <a:extLst>
+              <a:ext uri="{FF2B5EF4-FFF2-40B4-BE49-F238E27FC236}">
+                <a16:creationId xmlns:a16="http://schemas.microsoft.com/office/drawing/2014/main" id="{B4DE6A56-B336-43C6-B638-8E1E0611356C}"/>
               </a:ext>
             </a:extLst>
           </p:cNvPr>
